--- a/4th_year/Slides/7_WSD.pptx
+++ b/4th_year/Slides/7_WSD.pptx
@@ -247,7 +247,7 @@
           <a:p>
             <a:fld id="{FFFFC84B-3D85-6C41-A6B8-B4414FE774B1}" type="datetimeFigureOut">
               <a:rPr lang="ru-RU" smtClean="0"/>
-              <a:t>03.12.2020</a:t>
+              <a:t>14.11.2021</a:t>
             </a:fld>
             <a:endParaRPr lang="ru-RU"/>
           </a:p>
@@ -413,7 +413,7 @@
           <a:p>
             <a:fld id="{F13716B1-732F-724E-A7CA-7EEA59C7677F}" type="datetimeFigureOut">
               <a:rPr lang="ru-RU" smtClean="0"/>
-              <a:t>03.12.2020</a:t>
+              <a:t>14.11.2021</a:t>
             </a:fld>
             <a:endParaRPr lang="ru-RU"/>
           </a:p>
@@ -1306,7 +1306,7 @@
           <a:p>
             <a:fld id="{1BD29B5A-6FA8-1944-AA09-C15FC1C1D3F4}" type="datetime1">
               <a:rPr lang="ru-RU" smtClean="0"/>
-              <a:t>03.12.2020</a:t>
+              <a:t>14.11.2021</a:t>
             </a:fld>
             <a:endParaRPr lang="en-US"/>
           </a:p>
@@ -1945,7 +1945,7 @@
           <a:p>
             <a:fld id="{F2FC5981-F633-F348-AD61-7B45C71F3E85}" type="datetime1">
               <a:rPr lang="ru-RU" smtClean="0"/>
-              <a:t>03.12.2020</a:t>
+              <a:t>14.11.2021</a:t>
             </a:fld>
             <a:endParaRPr lang="en-US"/>
           </a:p>
@@ -2517,7 +2517,7 @@
           <a:p>
             <a:fld id="{6FFD786A-2766-434F-838B-70C1C90B5D16}" type="datetime1">
               <a:rPr lang="ru-RU" smtClean="0"/>
-              <a:t>03.12.2020</a:t>
+              <a:t>14.11.2021</a:t>
             </a:fld>
             <a:endParaRPr lang="en-US"/>
           </a:p>
@@ -3051,7 +3051,7 @@
           <a:p>
             <a:fld id="{219A4372-FACA-7E4C-A5AE-21327F1AE80E}" type="datetime1">
               <a:rPr lang="ru-RU" smtClean="0"/>
-              <a:t>03.12.2020</a:t>
+              <a:t>14.11.2021</a:t>
             </a:fld>
             <a:endParaRPr lang="en-US"/>
           </a:p>
@@ -3481,7 +3481,7 @@
           <a:p>
             <a:fld id="{E7B5BAFD-5FFD-9943-A6D9-C73E16B0CF16}" type="datetime1">
               <a:rPr lang="ru-RU" smtClean="0"/>
-              <a:t>03.12.2020</a:t>
+              <a:t>14.11.2021</a:t>
             </a:fld>
             <a:endParaRPr lang="en-US"/>
           </a:p>
@@ -3942,7 +3942,7 @@
           <a:p>
             <a:fld id="{BC572BD1-4709-774A-89D6-8CE2CC57B254}" type="datetime1">
               <a:rPr lang="ru-RU" smtClean="0"/>
-              <a:t>03.12.2020</a:t>
+              <a:t>14.11.2021</a:t>
             </a:fld>
             <a:endParaRPr lang="en-US"/>
           </a:p>
@@ -4372,7 +4372,7 @@
           <a:p>
             <a:fld id="{8FECC34A-0083-CB4F-A689-7874457D3ACA}" type="datetime1">
               <a:rPr lang="ru-RU" smtClean="0"/>
-              <a:t>03.12.2020</a:t>
+              <a:t>14.11.2021</a:t>
             </a:fld>
             <a:endParaRPr lang="en-US"/>
           </a:p>
@@ -4846,7 +4846,7 @@
           <a:p>
             <a:fld id="{E7CDB9D1-567A-1142-B4B5-240469426B94}" type="datetime1">
               <a:rPr lang="ru-RU" smtClean="0"/>
-              <a:t>03.12.2020</a:t>
+              <a:t>14.11.2021</a:t>
             </a:fld>
             <a:endParaRPr lang="en-US"/>
           </a:p>
@@ -5296,7 +5296,7 @@
           <a:p>
             <a:fld id="{EDB4058E-86B3-C342-9B3C-0A119089C657}" type="datetime1">
               <a:rPr lang="ru-RU" smtClean="0"/>
-              <a:t>03.12.2020</a:t>
+              <a:t>14.11.2021</a:t>
             </a:fld>
             <a:endParaRPr lang="en-US"/>
           </a:p>
@@ -5816,7 +5816,7 @@
           <a:p>
             <a:fld id="{6D121555-D9A8-204A-BF89-CA3ABD3E8C1B}" type="datetime1">
               <a:rPr lang="ru-RU" smtClean="0"/>
-              <a:t>03.12.2020</a:t>
+              <a:t>14.11.2021</a:t>
             </a:fld>
             <a:endParaRPr lang="en-US"/>
           </a:p>
@@ -6592,7 +6592,7 @@
           <a:p>
             <a:fld id="{36A109C3-556C-0C47-9F31-A86A6A8AD1C2}" type="datetime1">
               <a:rPr lang="ru-RU" smtClean="0"/>
-              <a:t>03.12.2020</a:t>
+              <a:t>14.11.2021</a:t>
             </a:fld>
             <a:endParaRPr lang="en-US"/>
           </a:p>
@@ -6938,7 +6938,7 @@
           <a:p>
             <a:fld id="{28EDD308-17E7-C441-9B31-E79F70629A6B}" type="datetime1">
               <a:rPr lang="ru-RU" smtClean="0"/>
-              <a:t>03.12.2020</a:t>
+              <a:t>14.11.2021</a:t>
             </a:fld>
             <a:endParaRPr lang="en-US"/>
           </a:p>
@@ -7207,7 +7207,7 @@
           <a:p>
             <a:fld id="{DCAA0E54-BF3A-7641-B831-A2A6C76295EB}" type="datetime1">
               <a:rPr lang="ru-RU" smtClean="0"/>
-              <a:t>03.12.2020</a:t>
+              <a:t>14.11.2021</a:t>
             </a:fld>
             <a:endParaRPr lang="en-US"/>
           </a:p>
@@ -7792,7 +7792,7 @@
           <a:p>
             <a:fld id="{6B72F7C5-D193-F942-884E-11273B3099B3}" type="datetime1">
               <a:rPr lang="ru-RU" smtClean="0"/>
-              <a:t>03.12.2020</a:t>
+              <a:t>14.11.2021</a:t>
             </a:fld>
             <a:endParaRPr lang="en-US"/>
           </a:p>
@@ -8030,7 +8030,7 @@
           <a:p>
             <a:fld id="{581EF739-069F-D042-A101-DAD394F2F4A6}" type="datetime1">
               <a:rPr lang="ru-RU" smtClean="0"/>
-              <a:t>03.12.2020</a:t>
+              <a:t>14.11.2021</a:t>
             </a:fld>
             <a:endParaRPr lang="en-US"/>
           </a:p>
@@ -11763,8 +11763,8 @@
           </a:p>
         </p:txBody>
       </p:sp>
-      <mc:AlternateContent xmlns:mc="http://schemas.openxmlformats.org/markup-compatibility/2006">
-        <mc:Choice xmlns:a14="http://schemas.microsoft.com/office/drawing/2010/main" Requires="a14">
+      <mc:AlternateContent xmlns:mc="http://schemas.openxmlformats.org/markup-compatibility/2006" xmlns:a14="http://schemas.microsoft.com/office/drawing/2010/main">
+        <mc:Choice Requires="a14">
           <p:sp>
             <p:nvSpPr>
               <p:cNvPr id="3" name="Объект 2">
@@ -12230,7 +12230,7 @@
             </p:txBody>
           </p:sp>
         </mc:Choice>
-        <mc:Fallback>
+        <mc:Fallback xmlns="">
           <p:sp>
             <p:nvSpPr>
               <p:cNvPr id="3" name="Объект 2">
@@ -12335,8 +12335,8 @@
           </a:p>
         </p:txBody>
       </p:sp>
-      <mc:AlternateContent xmlns:mc="http://schemas.openxmlformats.org/markup-compatibility/2006">
-        <mc:Choice xmlns:a14="http://schemas.microsoft.com/office/drawing/2010/main" Requires="a14">
+      <mc:AlternateContent xmlns:mc="http://schemas.openxmlformats.org/markup-compatibility/2006" xmlns:a14="http://schemas.microsoft.com/office/drawing/2010/main">
+        <mc:Choice Requires="a14">
           <p:sp>
             <p:nvSpPr>
               <p:cNvPr id="3" name="Объект 2">
@@ -12839,7 +12839,7 @@
             </p:txBody>
           </p:sp>
         </mc:Choice>
-        <mc:Fallback>
+        <mc:Fallback xmlns="">
           <p:sp>
             <p:nvSpPr>
               <p:cNvPr id="3" name="Объект 2">
@@ -17833,8 +17833,8 @@
           </a:p>
         </p:txBody>
       </p:sp>
-      <mc:AlternateContent xmlns:mc="http://schemas.openxmlformats.org/markup-compatibility/2006">
-        <mc:Choice xmlns:a14="http://schemas.microsoft.com/office/drawing/2010/main" Requires="a14">
+      <mc:AlternateContent xmlns:mc="http://schemas.openxmlformats.org/markup-compatibility/2006" xmlns:a14="http://schemas.microsoft.com/office/drawing/2010/main">
+        <mc:Choice Requires="a14">
           <p:sp>
             <p:nvSpPr>
               <p:cNvPr id="3" name="Объект 2">
@@ -18109,7 +18109,7 @@
             </p:txBody>
           </p:sp>
         </mc:Choice>
-        <mc:Fallback>
+        <mc:Fallback xmlns="">
           <p:sp>
             <p:nvSpPr>
               <p:cNvPr id="3" name="Объект 2">
@@ -18278,8 +18278,8 @@
           </a:p>
         </p:txBody>
       </p:sp>
-      <mc:AlternateContent xmlns:mc="http://schemas.openxmlformats.org/markup-compatibility/2006">
-        <mc:Choice xmlns:a14="http://schemas.microsoft.com/office/drawing/2010/main" Requires="a14">
+      <mc:AlternateContent xmlns:mc="http://schemas.openxmlformats.org/markup-compatibility/2006" xmlns:a14="http://schemas.microsoft.com/office/drawing/2010/main">
+        <mc:Choice Requires="a14">
           <p:sp>
             <p:nvSpPr>
               <p:cNvPr id="3" name="Объект 2">
@@ -18437,7 +18437,7 @@
             </p:txBody>
           </p:sp>
         </mc:Choice>
-        <mc:Fallback>
+        <mc:Fallback xmlns="">
           <p:sp>
             <p:nvSpPr>
               <p:cNvPr id="3" name="Объект 2">
